--- a/Attrition_Project_slides.pptx
+++ b/Attrition_Project_slides.pptx
@@ -8505,7 +8505,7 @@
         </p:spPr>
         <p:txBody>
           <a:bodyPr vert="horz" lIns="91440" tIns="45720" rIns="91440" bIns="45720" rtlCol="0">
-            <a:normAutofit fontScale="85000" lnSpcReduction="10000"/>
+            <a:normAutofit fontScale="92500" lnSpcReduction="20000"/>
           </a:bodyPr>
           <a:lstStyle>
             <a:lvl1pPr marL="228600" indent="-228600" algn="l" defTabSz="914400" rtl="0" eaLnBrk="1" latinLnBrk="0" hangingPunct="1">
@@ -8677,104 +8677,46 @@
                 <a:latin typeface="Arial" panose="020B0604020202020204" pitchFamily="34" charset="0"/>
                 <a:cs typeface="Arial" panose="020B0604020202020204" pitchFamily="34" charset="0"/>
               </a:rPr>
-              <a:t>A review of the data provided</a:t>
+              <a:t>A review of the data and a model summary</a:t>
             </a:r>
             <a:r>
               <a:rPr lang="en-US" dirty="0">
                 <a:latin typeface="Arial" panose="020B0604020202020204" pitchFamily="34" charset="0"/>
                 <a:cs typeface="Arial" panose="020B0604020202020204" pitchFamily="34" charset="0"/>
               </a:rPr>
-              <a:t> – To perform exploratory data analysis on international beer bitterness(IBU) and Alcohol Volume (ABV)  by State and brewery</a:t>
-            </a:r>
-          </a:p>
-          <a:p>
-            <a:pPr lvl="1">
-              <a:buFont typeface="Courier New" panose="02070309020205020404" pitchFamily="49" charset="0"/>
-              <a:buChar char="o"/>
-            </a:pPr>
+              <a:t> – Employment statistics, Definitions of the variables, and Prediction models.</a:t>
+            </a:r>
+          </a:p>
+          <a:p>
             <a:r>
               <a:rPr lang="en-US" b="1" dirty="0">
                 <a:latin typeface="Arial" panose="020B0604020202020204" pitchFamily="34" charset="0"/>
                 <a:cs typeface="Arial" panose="020B0604020202020204" pitchFamily="34" charset="0"/>
               </a:rPr>
-              <a:t>Data Acquisition </a:t>
+              <a:t>A Discussion of the initial visual findings</a:t>
             </a:r>
             <a:r>
               <a:rPr lang="en-US" dirty="0">
                 <a:latin typeface="Arial" panose="020B0604020202020204" pitchFamily="34" charset="0"/>
                 <a:cs typeface="Arial" panose="020B0604020202020204" pitchFamily="34" charset="0"/>
               </a:rPr>
-              <a:t>– Beer data and Brewery data were obtained in CSV format</a:t>
-            </a:r>
-          </a:p>
-          <a:p>
-            <a:pPr lvl="1">
-              <a:buFont typeface="Courier New" panose="02070309020205020404" pitchFamily="49" charset="0"/>
-              <a:buChar char="o"/>
-            </a:pPr>
+              <a:t> – A look into the effects of key variables on Attrition.</a:t>
+            </a:r>
+          </a:p>
+          <a:p>
             <a:r>
               <a:rPr lang="en-US" b="1" dirty="0">
                 <a:latin typeface="Arial" panose="020B0604020202020204" pitchFamily="34" charset="0"/>
                 <a:cs typeface="Arial" panose="020B0604020202020204" pitchFamily="34" charset="0"/>
               </a:rPr>
-              <a:t>Data Preparation </a:t>
+              <a:t>Attrition Prediction Findings </a:t>
             </a:r>
             <a:r>
               <a:rPr lang="en-US" dirty="0">
                 <a:latin typeface="Arial" panose="020B0604020202020204" pitchFamily="34" charset="0"/>
                 <a:cs typeface="Arial" panose="020B0604020202020204" pitchFamily="34" charset="0"/>
               </a:rPr>
-              <a:t>–Steps taken to fill the gaps for missing values.</a:t>
-            </a:r>
-          </a:p>
-          <a:p>
-            <a:pPr lvl="1">
-              <a:buFont typeface="Courier New" panose="02070309020205020404" pitchFamily="49" charset="0"/>
-              <a:buChar char="o"/>
-            </a:pPr>
-            <a:r>
-              <a:rPr lang="en-US" b="1" dirty="0">
-                <a:latin typeface="Arial" panose="020B0604020202020204" pitchFamily="34" charset="0"/>
-                <a:cs typeface="Arial" panose="020B0604020202020204" pitchFamily="34" charset="0"/>
-              </a:rPr>
-              <a:t>Data Visualization </a:t>
-            </a:r>
-            <a:r>
-              <a:rPr lang="en-US" dirty="0">
-                <a:latin typeface="Arial" panose="020B0604020202020204" pitchFamily="34" charset="0"/>
-                <a:cs typeface="Arial" panose="020B0604020202020204" pitchFamily="34" charset="0"/>
-              </a:rPr>
-              <a:t>– Graphs were created using ggplot in R studio</a:t>
-            </a:r>
-          </a:p>
-          <a:p>
-            <a:r>
-              <a:rPr lang="en-US" b="1" dirty="0">
-                <a:latin typeface="Arial" panose="020B0604020202020204" pitchFamily="34" charset="0"/>
-                <a:cs typeface="Arial" panose="020B0604020202020204" pitchFamily="34" charset="0"/>
-              </a:rPr>
-              <a:t>A Discussion on Ales vs. Indian Pale Ales</a:t>
-            </a:r>
-            <a:r>
-              <a:rPr lang="en-US" dirty="0">
-                <a:latin typeface="Arial" panose="020B0604020202020204" pitchFamily="34" charset="0"/>
-                <a:cs typeface="Arial" panose="020B0604020202020204" pitchFamily="34" charset="0"/>
-              </a:rPr>
-              <a:t> – A deeper analysis using </a:t>
-            </a:r>
-            <a:r>
-              <a:rPr lang="en-US" dirty="0" err="1">
-                <a:latin typeface="Arial" panose="020B0604020202020204" pitchFamily="34" charset="0"/>
-                <a:cs typeface="Arial" panose="020B0604020202020204" pitchFamily="34" charset="0"/>
-              </a:rPr>
-              <a:t>knn</a:t>
-            </a:r>
-            <a:r>
-              <a:rPr lang="en-US" dirty="0">
-                <a:latin typeface="Arial" panose="020B0604020202020204" pitchFamily="34" charset="0"/>
-                <a:cs typeface="Arial" panose="020B0604020202020204" pitchFamily="34" charset="0"/>
-              </a:rPr>
-              <a:t> to determine differences between Ales and IPAs.</a:t>
+              <a:t>– Outcome of the Naïve Bayes Prediction Model.</a:t>
             </a:r>
           </a:p>
           <a:p>
@@ -8790,22 +8732,30 @@
                 <a:latin typeface="Arial" panose="020B0604020202020204" pitchFamily="34" charset="0"/>
                 <a:cs typeface="Arial" panose="020B0604020202020204" pitchFamily="34" charset="0"/>
               </a:rPr>
-              <a:t>– An introduction to research possibilities and market </a:t>
-            </a:r>
-            <a:r>
-              <a:rPr lang="en-US" dirty="0" err="1">
+              <a:t>– An introduction to future research possibilities and ways to improve retention.</a:t>
+            </a:r>
+          </a:p>
+          <a:p>
+            <a:r>
+              <a:rPr lang="en-US" b="1" dirty="0">
                 <a:latin typeface="Arial" panose="020B0604020202020204" pitchFamily="34" charset="0"/>
                 <a:cs typeface="Arial" panose="020B0604020202020204" pitchFamily="34" charset="0"/>
               </a:rPr>
-              <a:t>exploitables</a:t>
+              <a:t>The Question of monthly income </a:t>
             </a:r>
             <a:r>
               <a:rPr lang="en-US" dirty="0">
                 <a:latin typeface="Arial" panose="020B0604020202020204" pitchFamily="34" charset="0"/>
                 <a:cs typeface="Arial" panose="020B0604020202020204" pitchFamily="34" charset="0"/>
               </a:rPr>
-              <a:t>.</a:t>
-            </a:r>
+              <a:t>– Findings of the regression prediction model.</a:t>
+            </a:r>
+          </a:p>
+          <a:p>
+            <a:endParaRPr lang="en-US" dirty="0">
+              <a:latin typeface="Arial" panose="020B0604020202020204" pitchFamily="34" charset="0"/>
+              <a:cs typeface="Arial" panose="020B0604020202020204" pitchFamily="34" charset="0"/>
+            </a:endParaRPr>
           </a:p>
         </p:txBody>
       </p:sp>
@@ -9072,55 +9022,6 @@
                       </p:childTnLst>
                     </p:cTn>
                   </p:par>
-                  <p:par>
-                    <p:cTn id="23" fill="hold">
-                      <p:stCondLst>
-                        <p:cond delay="indefinite"/>
-                      </p:stCondLst>
-                      <p:childTnLst>
-                        <p:par>
-                          <p:cTn id="24" fill="hold">
-                            <p:stCondLst>
-                              <p:cond delay="0"/>
-                            </p:stCondLst>
-                            <p:childTnLst>
-                              <p:par>
-                                <p:cTn id="25" presetID="1" presetClass="entr" presetSubtype="0" fill="hold" nodeType="clickEffect">
-                                  <p:stCondLst>
-                                    <p:cond delay="0"/>
-                                  </p:stCondLst>
-                                  <p:childTnLst>
-                                    <p:set>
-                                      <p:cBhvr>
-                                        <p:cTn id="26" dur="1" fill="hold">
-                                          <p:stCondLst>
-                                            <p:cond delay="0"/>
-                                          </p:stCondLst>
-                                        </p:cTn>
-                                        <p:tgtEl>
-                                          <p:spTgt spid="6">
-                                            <p:txEl>
-                                              <p:pRg st="5" end="5"/>
-                                            </p:txEl>
-                                          </p:spTgt>
-                                        </p:tgtEl>
-                                        <p:attrNameLst>
-                                          <p:attrName>style.visibility</p:attrName>
-                                        </p:attrNameLst>
-                                      </p:cBhvr>
-                                      <p:to>
-                                        <p:strVal val="visible"/>
-                                      </p:to>
-                                    </p:set>
-                                  </p:childTnLst>
-                                </p:cTn>
-                              </p:par>
-                            </p:childTnLst>
-                          </p:cTn>
-                        </p:par>
-                      </p:childTnLst>
-                    </p:cTn>
-                  </p:par>
                 </p:childTnLst>
               </p:cTn>
               <p:prevCondLst>
@@ -10905,16 +10806,68 @@
           <a:p>
             <a:r>
               <a:rPr lang="en-US" sz="1200" dirty="0"/>
-              <a:t>Presentation Links:</a:t>
+              <a:t>Webpage </a:t>
+            </a:r>
+            <a:r>
+              <a:rPr lang="en-US" sz="1200" dirty="0" err="1"/>
+              <a:t>Github</a:t>
+            </a:r>
+            <a:r>
+              <a:rPr lang="en-US" sz="1200" dirty="0"/>
+              <a:t>:</a:t>
             </a:r>
             <a:br>
               <a:rPr lang="en-US" sz="1200" dirty="0"/>
             </a:br>
             <a:r>
               <a:rPr lang="en-US" sz="1200" dirty="0">
-                <a:hlinkClick r:id="rId2"/>
+                <a:hlinkClick r:id="rId4"/>
               </a:rPr>
-              <a:t>Statistical Insights (weiprecht.github.io)</a:t>
+              <a:t>Weiprecht/Weiprecht.github.io</a:t>
+            </a:r>
+            <a:endParaRPr lang="en-US" sz="1200" dirty="0"/>
+          </a:p>
+        </p:txBody>
+      </p:sp>
+      <p:sp>
+        <p:nvSpPr>
+          <p:cNvPr id="6" name="TextBox 5">
+            <a:extLst>
+              <a:ext uri="{FF2B5EF4-FFF2-40B4-BE49-F238E27FC236}">
+                <a16:creationId xmlns:a16="http://schemas.microsoft.com/office/drawing/2014/main" id="{6F5BF7B6-D684-9405-5199-EA69D1673364}"/>
+              </a:ext>
+            </a:extLst>
+          </p:cNvPr>
+          <p:cNvSpPr txBox="1"/>
+          <p:nvPr/>
+        </p:nvSpPr>
+        <p:spPr>
+          <a:xfrm>
+            <a:off x="627356" y="3841239"/>
+            <a:ext cx="2322095" cy="646331"/>
+          </a:xfrm>
+          <a:prstGeom prst="rect">
+            <a:avLst/>
+          </a:prstGeom>
+          <a:noFill/>
+        </p:spPr>
+        <p:txBody>
+          <a:bodyPr wrap="square" rtlCol="0">
+            <a:spAutoFit/>
+          </a:bodyPr>
+          <a:lstStyle/>
+          <a:p>
+            <a:r>
+              <a:rPr lang="en-US" sz="1200" dirty="0"/>
+              <a:t>Link to PP Presentation:</a:t>
+            </a:r>
+          </a:p>
+          <a:p>
+            <a:r>
+              <a:rPr lang="en-US" sz="1200" dirty="0">
+                <a:hlinkClick r:id="rId5"/>
+              </a:rPr>
+              <a:t>Attrition_Project_slides.pptx (live.com)</a:t>
             </a:r>
             <a:endParaRPr lang="en-US" sz="1200" dirty="0"/>
           </a:p>
@@ -11004,12 +10957,12 @@
         <p:spPr>
           <a:xfrm>
             <a:off x="838200" y="1044020"/>
-            <a:ext cx="10515600" cy="4904343"/>
+            <a:ext cx="4612105" cy="4904343"/>
           </a:xfrm>
         </p:spPr>
         <p:txBody>
           <a:bodyPr>
-            <a:normAutofit lnSpcReduction="10000"/>
+            <a:normAutofit fontScale="92500" lnSpcReduction="10000"/>
           </a:bodyPr>
           <a:lstStyle/>
           <a:p>
@@ -11045,68 +10998,6 @@
             <a:pPr marL="0" indent="0">
               <a:buNone/>
             </a:pPr>
-            <a:endParaRPr lang="en-US" sz="1700" b="1" dirty="0">
-              <a:latin typeface="Arial" panose="020B0604020202020204" pitchFamily="34" charset="0"/>
-              <a:cs typeface="Arial" panose="020B0604020202020204" pitchFamily="34" charset="0"/>
-            </a:endParaRPr>
-          </a:p>
-          <a:p>
-            <a:r>
-              <a:rPr lang="en-US" sz="1700" b="1" dirty="0">
-                <a:latin typeface="Arial" panose="020B0604020202020204" pitchFamily="34" charset="0"/>
-                <a:cs typeface="Arial" panose="020B0604020202020204" pitchFamily="34" charset="0"/>
-              </a:rPr>
-              <a:t>Models Used</a:t>
-            </a:r>
-            <a:r>
-              <a:rPr lang="en-US" sz="1700" dirty="0">
-                <a:latin typeface="Arial" panose="020B0604020202020204" pitchFamily="34" charset="0"/>
-                <a:cs typeface="Arial" panose="020B0604020202020204" pitchFamily="34" charset="0"/>
-              </a:rPr>
-              <a:t>:</a:t>
-            </a:r>
-          </a:p>
-          <a:p>
-            <a:pPr lvl="1"/>
-            <a:r>
-              <a:rPr lang="en-US" sz="1700" dirty="0">
-                <a:latin typeface="Arial" panose="020B0604020202020204" pitchFamily="34" charset="0"/>
-                <a:cs typeface="Arial" panose="020B0604020202020204" pitchFamily="34" charset="0"/>
-              </a:rPr>
-              <a:t>Multiple Linear Regression</a:t>
-            </a:r>
-          </a:p>
-          <a:p>
-            <a:pPr lvl="1"/>
-            <a:r>
-              <a:rPr lang="en-US" sz="1700" dirty="0">
-                <a:latin typeface="Arial" panose="020B0604020202020204" pitchFamily="34" charset="0"/>
-                <a:cs typeface="Arial" panose="020B0604020202020204" pitchFamily="34" charset="0"/>
-              </a:rPr>
-              <a:t>K-Nearest Neighbor</a:t>
-            </a:r>
-          </a:p>
-          <a:p>
-            <a:pPr lvl="1"/>
-            <a:r>
-              <a:rPr lang="en-US" sz="1700" dirty="0">
-                <a:latin typeface="Arial" panose="020B0604020202020204" pitchFamily="34" charset="0"/>
-                <a:cs typeface="Arial" panose="020B0604020202020204" pitchFamily="34" charset="0"/>
-              </a:rPr>
-              <a:t>Naïve Bayes</a:t>
-            </a:r>
-          </a:p>
-          <a:p>
-            <a:pPr lvl="1"/>
-            <a:r>
-              <a:rPr lang="en-US" sz="1700" dirty="0">
-                <a:latin typeface="Arial" panose="020B0604020202020204" pitchFamily="34" charset="0"/>
-                <a:cs typeface="Arial" panose="020B0604020202020204" pitchFamily="34" charset="0"/>
-              </a:rPr>
-              <a:t>Prediction Regression</a:t>
-            </a:r>
-          </a:p>
-          <a:p>
             <a:endParaRPr lang="en-US" sz="1700" b="1" dirty="0">
               <a:latin typeface="Arial" panose="020B0604020202020204" pitchFamily="34" charset="0"/>
               <a:cs typeface="Arial" panose="020B0604020202020204" pitchFamily="34" charset="0"/>
@@ -11146,6 +11037,78 @@
               </a:rPr>
               <a:t>The definitions of some of the variables were not well defined. </a:t>
             </a:r>
+          </a:p>
+          <a:p>
+            <a:pPr lvl="1"/>
+            <a:endParaRPr lang="en-US" sz="1700" dirty="0">
+              <a:solidFill>
+                <a:srgbClr val="000000"/>
+              </a:solidFill>
+              <a:latin typeface="Arial" panose="020B0604020202020204" pitchFamily="34" charset="0"/>
+              <a:cs typeface="Arial" panose="020B0604020202020204" pitchFamily="34" charset="0"/>
+            </a:endParaRPr>
+          </a:p>
+          <a:p>
+            <a:r>
+              <a:rPr lang="en-US" sz="1700" b="1" dirty="0">
+                <a:latin typeface="Arial" panose="020B0604020202020204" pitchFamily="34" charset="0"/>
+                <a:cs typeface="Arial" panose="020B0604020202020204" pitchFamily="34" charset="0"/>
+              </a:rPr>
+              <a:t>Models Used</a:t>
+            </a:r>
+            <a:r>
+              <a:rPr lang="en-US" sz="1700" dirty="0">
+                <a:latin typeface="Arial" panose="020B0604020202020204" pitchFamily="34" charset="0"/>
+                <a:cs typeface="Arial" panose="020B0604020202020204" pitchFamily="34" charset="0"/>
+              </a:rPr>
+              <a:t>:</a:t>
+            </a:r>
+          </a:p>
+          <a:p>
+            <a:pPr lvl="1"/>
+            <a:r>
+              <a:rPr lang="en-US" sz="1700" dirty="0">
+                <a:latin typeface="Arial" panose="020B0604020202020204" pitchFamily="34" charset="0"/>
+                <a:cs typeface="Arial" panose="020B0604020202020204" pitchFamily="34" charset="0"/>
+              </a:rPr>
+              <a:t>Multiple Linear Regression</a:t>
+            </a:r>
+          </a:p>
+          <a:p>
+            <a:pPr lvl="1"/>
+            <a:r>
+              <a:rPr lang="en-US" sz="1700" dirty="0">
+                <a:latin typeface="Arial" panose="020B0604020202020204" pitchFamily="34" charset="0"/>
+                <a:cs typeface="Arial" panose="020B0604020202020204" pitchFamily="34" charset="0"/>
+              </a:rPr>
+              <a:t>K-Nearest Neighbor</a:t>
+            </a:r>
+          </a:p>
+          <a:p>
+            <a:pPr lvl="1"/>
+            <a:r>
+              <a:rPr lang="en-US" sz="1700" dirty="0">
+                <a:latin typeface="Arial" panose="020B0604020202020204" pitchFamily="34" charset="0"/>
+                <a:cs typeface="Arial" panose="020B0604020202020204" pitchFamily="34" charset="0"/>
+              </a:rPr>
+              <a:t>Naïve Bayes</a:t>
+            </a:r>
+          </a:p>
+          <a:p>
+            <a:pPr lvl="1"/>
+            <a:r>
+              <a:rPr lang="en-US" sz="1700" dirty="0">
+                <a:latin typeface="Arial" panose="020B0604020202020204" pitchFamily="34" charset="0"/>
+                <a:cs typeface="Arial" panose="020B0604020202020204" pitchFamily="34" charset="0"/>
+              </a:rPr>
+              <a:t>Prediction Regression</a:t>
+            </a:r>
+          </a:p>
+          <a:p>
+            <a:endParaRPr lang="en-US" sz="1700" b="1" dirty="0">
+              <a:latin typeface="Arial" panose="020B0604020202020204" pitchFamily="34" charset="0"/>
+              <a:cs typeface="Arial" panose="020B0604020202020204" pitchFamily="34" charset="0"/>
+            </a:endParaRPr>
           </a:p>
         </p:txBody>
       </p:sp>
@@ -11398,7 +11361,7 @@
                                         <p:tgtEl>
                                           <p:spTgt spid="8">
                                             <p:txEl>
-                                              <p:pRg st="4" end="4"/>
+                                              <p:pRg st="8" end="8"/>
                                             </p:txEl>
                                           </p:spTgt>
                                         </p:tgtEl>
@@ -11447,7 +11410,7 @@
                                         <p:tgtEl>
                                           <p:spTgt spid="8">
                                             <p:txEl>
-                                              <p:pRg st="5" end="5"/>
+                                              <p:pRg st="4" end="4"/>
                                             </p:txEl>
                                           </p:spTgt>
                                         </p:tgtEl>
@@ -11496,7 +11459,7 @@
                                         <p:tgtEl>
                                           <p:spTgt spid="8">
                                             <p:txEl>
-                                              <p:pRg st="6" end="6"/>
+                                              <p:pRg st="5" end="5"/>
                                             </p:txEl>
                                           </p:spTgt>
                                         </p:tgtEl>
@@ -11545,7 +11508,7 @@
                                         <p:tgtEl>
                                           <p:spTgt spid="8">
                                             <p:txEl>
-                                              <p:pRg st="7" end="7"/>
+                                              <p:pRg st="6" end="6"/>
                                             </p:txEl>
                                           </p:spTgt>
                                         </p:tgtEl>
@@ -11594,7 +11557,7 @@
                                         <p:tgtEl>
                                           <p:spTgt spid="8">
                                             <p:txEl>
-                                              <p:pRg st="8" end="8"/>
+                                              <p:pRg st="9" end="9"/>
                                             </p:txEl>
                                           </p:spTgt>
                                         </p:tgtEl>
@@ -11658,15 +11621,33 @@
                                   </p:childTnLst>
                                 </p:cTn>
                               </p:par>
+                            </p:childTnLst>
+                          </p:cTn>
+                        </p:par>
+                      </p:childTnLst>
+                    </p:cTn>
+                  </p:par>
+                  <p:par>
+                    <p:cTn id="39" fill="hold">
+                      <p:stCondLst>
+                        <p:cond delay="indefinite"/>
+                      </p:stCondLst>
+                      <p:childTnLst>
+                        <p:par>
+                          <p:cTn id="40" fill="hold">
+                            <p:stCondLst>
+                              <p:cond delay="0"/>
+                            </p:stCondLst>
+                            <p:childTnLst>
                               <p:par>
-                                <p:cTn id="39" presetID="1" presetClass="entr" presetSubtype="0" fill="hold" nodeType="withEffect">
+                                <p:cTn id="41" presetID="1" presetClass="entr" presetSubtype="0" fill="hold" nodeType="clickEffect">
                                   <p:stCondLst>
                                     <p:cond delay="0"/>
                                   </p:stCondLst>
                                   <p:childTnLst>
                                     <p:set>
                                       <p:cBhvr>
-                                        <p:cTn id="40" dur="1" fill="hold">
+                                        <p:cTn id="42" dur="1" fill="hold">
                                           <p:stCondLst>
                                             <p:cond delay="0"/>
                                           </p:stCondLst>
@@ -11689,15 +11670,33 @@
                                   </p:childTnLst>
                                 </p:cTn>
                               </p:par>
+                            </p:childTnLst>
+                          </p:cTn>
+                        </p:par>
+                      </p:childTnLst>
+                    </p:cTn>
+                  </p:par>
+                  <p:par>
+                    <p:cTn id="43" fill="hold">
+                      <p:stCondLst>
+                        <p:cond delay="indefinite"/>
+                      </p:stCondLst>
+                      <p:childTnLst>
+                        <p:par>
+                          <p:cTn id="44" fill="hold">
+                            <p:stCondLst>
+                              <p:cond delay="0"/>
+                            </p:stCondLst>
+                            <p:childTnLst>
                               <p:par>
-                                <p:cTn id="41" presetID="1" presetClass="entr" presetSubtype="0" fill="hold" nodeType="withEffect">
+                                <p:cTn id="45" presetID="1" presetClass="entr" presetSubtype="0" fill="hold" nodeType="clickEffect">
                                   <p:stCondLst>
                                     <p:cond delay="0"/>
                                   </p:stCondLst>
                                   <p:childTnLst>
                                     <p:set>
                                       <p:cBhvr>
-                                        <p:cTn id="42" dur="1" fill="hold">
+                                        <p:cTn id="46" dur="1" fill="hold">
                                           <p:stCondLst>
                                             <p:cond delay="0"/>
                                           </p:stCondLst>

--- a/Attrition_Project_slides.pptx
+++ b/Attrition_Project_slides.pptx
@@ -25,9 +25,8 @@
     <p:sldId id="301" r:id="rId19"/>
     <p:sldId id="302" r:id="rId20"/>
     <p:sldId id="303" r:id="rId21"/>
-    <p:sldId id="304" r:id="rId22"/>
-    <p:sldId id="305" r:id="rId23"/>
-    <p:sldId id="286" r:id="rId24"/>
+    <p:sldId id="305" r:id="rId22"/>
+    <p:sldId id="286" r:id="rId23"/>
   </p:sldIdLst>
   <p:sldSz cx="12192000" cy="6858000"/>
   <p:notesSz cx="6858000" cy="9144000"/>
@@ -4580,33 +4579,15 @@
                                   </p:childTnLst>
                                 </p:cTn>
                               </p:par>
-                            </p:childTnLst>
-                          </p:cTn>
-                        </p:par>
-                      </p:childTnLst>
-                    </p:cTn>
-                  </p:par>
-                  <p:par>
-                    <p:cTn id="7" fill="hold">
-                      <p:stCondLst>
-                        <p:cond delay="indefinite"/>
-                      </p:stCondLst>
-                      <p:childTnLst>
-                        <p:par>
-                          <p:cTn id="8" fill="hold">
-                            <p:stCondLst>
-                              <p:cond delay="0"/>
-                            </p:stCondLst>
-                            <p:childTnLst>
                               <p:par>
-                                <p:cTn id="9" presetID="1" presetClass="entr" presetSubtype="0" fill="hold" nodeType="clickEffect">
+                                <p:cTn id="7" presetID="1" presetClass="entr" presetSubtype="0" fill="hold" nodeType="withEffect">
                                   <p:stCondLst>
                                     <p:cond delay="0"/>
                                   </p:stCondLst>
                                   <p:childTnLst>
                                     <p:set>
                                       <p:cBhvr>
-                                        <p:cTn id="10" dur="1" fill="hold">
+                                        <p:cTn id="8" dur="1" fill="hold">
                                           <p:stCondLst>
                                             <p:cond delay="0"/>
                                           </p:stCondLst>
@@ -4629,33 +4610,15 @@
                                   </p:childTnLst>
                                 </p:cTn>
                               </p:par>
-                            </p:childTnLst>
-                          </p:cTn>
-                        </p:par>
-                      </p:childTnLst>
-                    </p:cTn>
-                  </p:par>
-                  <p:par>
-                    <p:cTn id="11" fill="hold">
-                      <p:stCondLst>
-                        <p:cond delay="indefinite"/>
-                      </p:stCondLst>
-                      <p:childTnLst>
-                        <p:par>
-                          <p:cTn id="12" fill="hold">
-                            <p:stCondLst>
-                              <p:cond delay="0"/>
-                            </p:stCondLst>
-                            <p:childTnLst>
                               <p:par>
-                                <p:cTn id="13" presetID="1" presetClass="entr" presetSubtype="0" fill="hold" nodeType="clickEffect">
+                                <p:cTn id="9" presetID="1" presetClass="entr" presetSubtype="0" fill="hold" nodeType="withEffect">
                                   <p:stCondLst>
                                     <p:cond delay="0"/>
                                   </p:stCondLst>
                                   <p:childTnLst>
                                     <p:set>
                                       <p:cBhvr>
-                                        <p:cTn id="14" dur="1" fill="hold">
+                                        <p:cTn id="10" dur="1" fill="hold">
                                           <p:stCondLst>
                                             <p:cond delay="0"/>
                                           </p:stCondLst>
@@ -5069,33 +5032,15 @@
                                   </p:childTnLst>
                                 </p:cTn>
                               </p:par>
-                            </p:childTnLst>
-                          </p:cTn>
-                        </p:par>
-                      </p:childTnLst>
-                    </p:cTn>
-                  </p:par>
-                  <p:par>
-                    <p:cTn id="7" fill="hold">
-                      <p:stCondLst>
-                        <p:cond delay="indefinite"/>
-                      </p:stCondLst>
-                      <p:childTnLst>
-                        <p:par>
-                          <p:cTn id="8" fill="hold">
-                            <p:stCondLst>
-                              <p:cond delay="0"/>
-                            </p:stCondLst>
-                            <p:childTnLst>
                               <p:par>
-                                <p:cTn id="9" presetID="1" presetClass="entr" presetSubtype="0" fill="hold" nodeType="clickEffect">
+                                <p:cTn id="7" presetID="1" presetClass="entr" presetSubtype="0" fill="hold" nodeType="withEffect">
                                   <p:stCondLst>
                                     <p:cond delay="0"/>
                                   </p:stCondLst>
                                   <p:childTnLst>
                                     <p:set>
                                       <p:cBhvr>
-                                        <p:cTn id="10" dur="1" fill="hold">
+                                        <p:cTn id="8" dur="1" fill="hold">
                                           <p:stCondLst>
                                             <p:cond delay="0"/>
                                           </p:stCondLst>
@@ -5509,33 +5454,15 @@
                                   </p:childTnLst>
                                 </p:cTn>
                               </p:par>
-                            </p:childTnLst>
-                          </p:cTn>
-                        </p:par>
-                      </p:childTnLst>
-                    </p:cTn>
-                  </p:par>
-                  <p:par>
-                    <p:cTn id="7" fill="hold">
-                      <p:stCondLst>
-                        <p:cond delay="indefinite"/>
-                      </p:stCondLst>
-                      <p:childTnLst>
-                        <p:par>
-                          <p:cTn id="8" fill="hold">
-                            <p:stCondLst>
-                              <p:cond delay="0"/>
-                            </p:stCondLst>
-                            <p:childTnLst>
                               <p:par>
-                                <p:cTn id="9" presetID="1" presetClass="entr" presetSubtype="0" fill="hold" nodeType="clickEffect">
+                                <p:cTn id="7" presetID="1" presetClass="entr" presetSubtype="0" fill="hold" nodeType="withEffect">
                                   <p:stCondLst>
                                     <p:cond delay="0"/>
                                   </p:stCondLst>
                                   <p:childTnLst>
                                     <p:set>
                                       <p:cBhvr>
-                                        <p:cTn id="10" dur="1" fill="hold">
+                                        <p:cTn id="8" dur="1" fill="hold">
                                           <p:stCondLst>
                                             <p:cond delay="0"/>
                                           </p:stCondLst>
@@ -5949,33 +5876,15 @@
                                   </p:childTnLst>
                                 </p:cTn>
                               </p:par>
-                            </p:childTnLst>
-                          </p:cTn>
-                        </p:par>
-                      </p:childTnLst>
-                    </p:cTn>
-                  </p:par>
-                  <p:par>
-                    <p:cTn id="7" fill="hold">
-                      <p:stCondLst>
-                        <p:cond delay="indefinite"/>
-                      </p:stCondLst>
-                      <p:childTnLst>
-                        <p:par>
-                          <p:cTn id="8" fill="hold">
-                            <p:stCondLst>
-                              <p:cond delay="0"/>
-                            </p:stCondLst>
-                            <p:childTnLst>
                               <p:par>
-                                <p:cTn id="9" presetID="1" presetClass="entr" presetSubtype="0" fill="hold" nodeType="clickEffect">
+                                <p:cTn id="7" presetID="1" presetClass="entr" presetSubtype="0" fill="hold" nodeType="withEffect">
                                   <p:stCondLst>
                                     <p:cond delay="0"/>
                                   </p:stCondLst>
                                   <p:childTnLst>
                                     <p:set>
                                       <p:cBhvr>
-                                        <p:cTn id="10" dur="1" fill="hold">
+                                        <p:cTn id="8" dur="1" fill="hold">
                                           <p:stCondLst>
                                             <p:cond delay="0"/>
                                           </p:stCondLst>
@@ -6431,33 +6340,15 @@
                                   </p:childTnLst>
                                 </p:cTn>
                               </p:par>
-                            </p:childTnLst>
-                          </p:cTn>
-                        </p:par>
-                      </p:childTnLst>
-                    </p:cTn>
-                  </p:par>
-                  <p:par>
-                    <p:cTn id="7" fill="hold">
-                      <p:stCondLst>
-                        <p:cond delay="indefinite"/>
-                      </p:stCondLst>
-                      <p:childTnLst>
-                        <p:par>
-                          <p:cTn id="8" fill="hold">
-                            <p:stCondLst>
-                              <p:cond delay="0"/>
-                            </p:stCondLst>
-                            <p:childTnLst>
                               <p:par>
-                                <p:cTn id="9" presetID="1" presetClass="entr" presetSubtype="0" fill="hold" nodeType="clickEffect">
+                                <p:cTn id="7" presetID="1" presetClass="entr" presetSubtype="0" fill="hold" nodeType="withEffect">
                                   <p:stCondLst>
                                     <p:cond delay="0"/>
                                   </p:stCondLst>
                                   <p:childTnLst>
                                     <p:set>
                                       <p:cBhvr>
-                                        <p:cTn id="10" dur="1" fill="hold">
+                                        <p:cTn id="8" dur="1" fill="hold">
                                           <p:stCondLst>
                                             <p:cond delay="0"/>
                                           </p:stCondLst>
@@ -6480,33 +6371,15 @@
                                   </p:childTnLst>
                                 </p:cTn>
                               </p:par>
-                            </p:childTnLst>
-                          </p:cTn>
-                        </p:par>
-                      </p:childTnLst>
-                    </p:cTn>
-                  </p:par>
-                  <p:par>
-                    <p:cTn id="11" fill="hold">
-                      <p:stCondLst>
-                        <p:cond delay="indefinite"/>
-                      </p:stCondLst>
-                      <p:childTnLst>
-                        <p:par>
-                          <p:cTn id="12" fill="hold">
-                            <p:stCondLst>
-                              <p:cond delay="0"/>
-                            </p:stCondLst>
-                            <p:childTnLst>
                               <p:par>
-                                <p:cTn id="13" presetID="1" presetClass="entr" presetSubtype="0" fill="hold" nodeType="clickEffect">
+                                <p:cTn id="9" presetID="1" presetClass="entr" presetSubtype="0" fill="hold" nodeType="withEffect">
                                   <p:stCondLst>
                                     <p:cond delay="0"/>
                                   </p:stCondLst>
                                   <p:childTnLst>
                                     <p:set>
                                       <p:cBhvr>
-                                        <p:cTn id="14" dur="1" fill="hold">
+                                        <p:cTn id="10" dur="1" fill="hold">
                                           <p:stCondLst>
                                             <p:cond delay="0"/>
                                           </p:stCondLst>
@@ -6962,33 +6835,15 @@
                                   </p:childTnLst>
                                 </p:cTn>
                               </p:par>
-                            </p:childTnLst>
-                          </p:cTn>
-                        </p:par>
-                      </p:childTnLst>
-                    </p:cTn>
-                  </p:par>
-                  <p:par>
-                    <p:cTn id="7" fill="hold">
-                      <p:stCondLst>
-                        <p:cond delay="indefinite"/>
-                      </p:stCondLst>
-                      <p:childTnLst>
-                        <p:par>
-                          <p:cTn id="8" fill="hold">
-                            <p:stCondLst>
-                              <p:cond delay="0"/>
-                            </p:stCondLst>
-                            <p:childTnLst>
                               <p:par>
-                                <p:cTn id="9" presetID="1" presetClass="entr" presetSubtype="0" fill="hold" nodeType="clickEffect">
+                                <p:cTn id="7" presetID="1" presetClass="entr" presetSubtype="0" fill="hold" nodeType="withEffect">
                                   <p:stCondLst>
                                     <p:cond delay="0"/>
                                   </p:stCondLst>
                                   <p:childTnLst>
                                     <p:set>
                                       <p:cBhvr>
-                                        <p:cTn id="10" dur="1" fill="hold">
+                                        <p:cTn id="8" dur="1" fill="hold">
                                           <p:stCondLst>
                                             <p:cond delay="0"/>
                                           </p:stCondLst>
@@ -7011,33 +6866,15 @@
                                   </p:childTnLst>
                                 </p:cTn>
                               </p:par>
-                            </p:childTnLst>
-                          </p:cTn>
-                        </p:par>
-                      </p:childTnLst>
-                    </p:cTn>
-                  </p:par>
-                  <p:par>
-                    <p:cTn id="11" fill="hold">
-                      <p:stCondLst>
-                        <p:cond delay="indefinite"/>
-                      </p:stCondLst>
-                      <p:childTnLst>
-                        <p:par>
-                          <p:cTn id="12" fill="hold">
-                            <p:stCondLst>
-                              <p:cond delay="0"/>
-                            </p:stCondLst>
-                            <p:childTnLst>
                               <p:par>
-                                <p:cTn id="13" presetID="1" presetClass="entr" presetSubtype="0" fill="hold" nodeType="clickEffect">
+                                <p:cTn id="9" presetID="1" presetClass="entr" presetSubtype="0" fill="hold" nodeType="withEffect">
                                   <p:stCondLst>
                                     <p:cond delay="0"/>
                                   </p:stCondLst>
                                   <p:childTnLst>
                                     <p:set>
                                       <p:cBhvr>
-                                        <p:cTn id="14" dur="1" fill="hold">
+                                        <p:cTn id="10" dur="1" fill="hold">
                                           <p:stCondLst>
                                             <p:cond delay="0"/>
                                           </p:stCondLst>
@@ -7465,33 +7302,15 @@
                                   </p:childTnLst>
                                 </p:cTn>
                               </p:par>
-                            </p:childTnLst>
-                          </p:cTn>
-                        </p:par>
-                      </p:childTnLst>
-                    </p:cTn>
-                  </p:par>
-                  <p:par>
-                    <p:cTn id="7" fill="hold">
-                      <p:stCondLst>
-                        <p:cond delay="indefinite"/>
-                      </p:stCondLst>
-                      <p:childTnLst>
-                        <p:par>
-                          <p:cTn id="8" fill="hold">
-                            <p:stCondLst>
-                              <p:cond delay="0"/>
-                            </p:stCondLst>
-                            <p:childTnLst>
                               <p:par>
-                                <p:cTn id="9" presetID="1" presetClass="entr" presetSubtype="0" fill="hold" nodeType="clickEffect">
+                                <p:cTn id="7" presetID="1" presetClass="entr" presetSubtype="0" fill="hold" nodeType="withEffect">
                                   <p:stCondLst>
                                     <p:cond delay="0"/>
                                   </p:stCondLst>
                                   <p:childTnLst>
                                     <p:set>
                                       <p:cBhvr>
-                                        <p:cTn id="10" dur="1" fill="hold">
+                                        <p:cTn id="8" dur="1" fill="hold">
                                           <p:stCondLst>
                                             <p:cond delay="0"/>
                                           </p:stCondLst>
@@ -7905,33 +7724,15 @@
                                   </p:childTnLst>
                                 </p:cTn>
                               </p:par>
-                            </p:childTnLst>
-                          </p:cTn>
-                        </p:par>
-                      </p:childTnLst>
-                    </p:cTn>
-                  </p:par>
-                  <p:par>
-                    <p:cTn id="7" fill="hold">
-                      <p:stCondLst>
-                        <p:cond delay="indefinite"/>
-                      </p:stCondLst>
-                      <p:childTnLst>
-                        <p:par>
-                          <p:cTn id="8" fill="hold">
-                            <p:stCondLst>
-                              <p:cond delay="0"/>
-                            </p:stCondLst>
-                            <p:childTnLst>
                               <p:par>
-                                <p:cTn id="9" presetID="1" presetClass="entr" presetSubtype="0" fill="hold" nodeType="clickEffect">
+                                <p:cTn id="7" presetID="1" presetClass="entr" presetSubtype="0" fill="hold" nodeType="withEffect">
                                   <p:stCondLst>
                                     <p:cond delay="0"/>
                                   </p:stCondLst>
                                   <p:childTnLst>
                                     <p:set>
                                       <p:cBhvr>
-                                        <p:cTn id="10" dur="1" fill="hold">
+                                        <p:cTn id="8" dur="1" fill="hold">
                                           <p:stCondLst>
                                             <p:cond delay="0"/>
                                           </p:stCondLst>
@@ -7986,7 +7787,7 @@
 </file>
 
 <file path=ppt/slides/slide19.xml><?xml version="1.0" encoding="utf-8"?>
-<p:sld xmlns:a="http://schemas.openxmlformats.org/drawingml/2006/main" xmlns:r="http://schemas.openxmlformats.org/officeDocument/2006/relationships" xmlns:p="http://schemas.openxmlformats.org/presentationml/2006/main">
+<p:sld xmlns:a="http://schemas.openxmlformats.org/drawingml/2006/main" xmlns:r="http://schemas.openxmlformats.org/officeDocument/2006/relationships" xmlns:p="http://schemas.openxmlformats.org/presentationml/2006/main" show="0">
   <p:cSld>
     <p:spTree>
       <p:nvGrpSpPr>
@@ -8345,33 +8146,15 @@
                                   </p:childTnLst>
                                 </p:cTn>
                               </p:par>
-                            </p:childTnLst>
-                          </p:cTn>
-                        </p:par>
-                      </p:childTnLst>
-                    </p:cTn>
-                  </p:par>
-                  <p:par>
-                    <p:cTn id="7" fill="hold">
-                      <p:stCondLst>
-                        <p:cond delay="indefinite"/>
-                      </p:stCondLst>
-                      <p:childTnLst>
-                        <p:par>
-                          <p:cTn id="8" fill="hold">
-                            <p:stCondLst>
-                              <p:cond delay="0"/>
-                            </p:stCondLst>
-                            <p:childTnLst>
                               <p:par>
-                                <p:cTn id="9" presetID="1" presetClass="entr" presetSubtype="0" fill="hold" nodeType="clickEffect">
+                                <p:cTn id="7" presetID="1" presetClass="entr" presetSubtype="0" fill="hold" nodeType="withEffect">
                                   <p:stCondLst>
                                     <p:cond delay="0"/>
                                   </p:stCondLst>
                                   <p:childTnLst>
                                     <p:set>
                                       <p:cBhvr>
-                                        <p:cTn id="10" dur="1" fill="hold">
+                                        <p:cTn id="8" dur="1" fill="hold">
                                           <p:stCondLst>
                                             <p:cond delay="0"/>
                                           </p:stCondLst>
@@ -8505,7 +8288,7 @@
         </p:spPr>
         <p:txBody>
           <a:bodyPr vert="horz" lIns="91440" tIns="45720" rIns="91440" bIns="45720" rtlCol="0">
-            <a:normAutofit fontScale="92500" lnSpcReduction="20000"/>
+            <a:normAutofit fontScale="92500" lnSpcReduction="10000"/>
           </a:bodyPr>
           <a:lstStyle>
             <a:lvl1pPr marL="228600" indent="-228600" algn="l" defTabSz="914400" rtl="0" eaLnBrk="1" latinLnBrk="0" hangingPunct="1">
@@ -8693,14 +8476,14 @@
                 <a:latin typeface="Arial" panose="020B0604020202020204" pitchFamily="34" charset="0"/>
                 <a:cs typeface="Arial" panose="020B0604020202020204" pitchFamily="34" charset="0"/>
               </a:rPr>
-              <a:t>A Discussion of the initial visual findings</a:t>
+              <a:t>A visual review of the data</a:t>
             </a:r>
             <a:r>
               <a:rPr lang="en-US" dirty="0">
                 <a:latin typeface="Arial" panose="020B0604020202020204" pitchFamily="34" charset="0"/>
                 <a:cs typeface="Arial" panose="020B0604020202020204" pitchFamily="34" charset="0"/>
               </a:rPr>
-              <a:t> – A look into the effects of key variables on Attrition.</a:t>
+              <a:t> – A look into the effects of key variables on attrition with graphics.</a:t>
             </a:r>
           </a:p>
           <a:p>
@@ -9366,11 +9149,18 @@
               <a:buChar char="•"/>
             </a:pPr>
             <a:r>
+              <a:rPr lang="en-US" sz="2000" b="1" dirty="0">
+                <a:latin typeface="Arial" panose="020B0604020202020204" pitchFamily="34" charset="0"/>
+                <a:cs typeface="Arial" panose="020B0604020202020204" pitchFamily="34" charset="0"/>
+              </a:rPr>
+              <a:t>More analysis of trigger variables</a:t>
+            </a:r>
+            <a:r>
               <a:rPr lang="en-US" sz="2000" dirty="0">
                 <a:latin typeface="Arial" panose="020B0604020202020204" pitchFamily="34" charset="0"/>
                 <a:cs typeface="Arial" panose="020B0604020202020204" pitchFamily="34" charset="0"/>
               </a:rPr>
-              <a:t>Conduct a Focused Analysis of the most significant variables to see what conditions are causing that outcome, for example Job Involvement.</a:t>
+              <a:t>: Conduct a Focused Analysis of the most significant variables to see what conditions are causing that outcome, for example Job Involvement.</a:t>
             </a:r>
           </a:p>
           <a:p>
@@ -9389,11 +9179,18 @@
               <a:buChar char="•"/>
             </a:pPr>
             <a:r>
+              <a:rPr lang="en-US" sz="2000" b="1" dirty="0">
+                <a:latin typeface="Arial" panose="020B0604020202020204" pitchFamily="34" charset="0"/>
+                <a:cs typeface="Arial" panose="020B0604020202020204" pitchFamily="34" charset="0"/>
+              </a:rPr>
+              <a:t>Surveys</a:t>
+            </a:r>
+            <a:r>
               <a:rPr lang="en-US" sz="2000" dirty="0">
                 <a:latin typeface="Arial" panose="020B0604020202020204" pitchFamily="34" charset="0"/>
                 <a:cs typeface="Arial" panose="020B0604020202020204" pitchFamily="34" charset="0"/>
               </a:rPr>
-              <a:t>Conduct workplace surveys that ask specifics about this outcome, for example Job Involvement.</a:t>
+              <a:t>: Conduct workplace surveys that ask specifics about this outcome, for example Job Involvement.</a:t>
             </a:r>
           </a:p>
           <a:p>
@@ -9412,11 +9209,18 @@
               <a:buChar char="•"/>
             </a:pPr>
             <a:r>
+              <a:rPr lang="en-US" sz="2000" b="1" dirty="0">
+                <a:latin typeface="Arial" panose="020B0604020202020204" pitchFamily="34" charset="0"/>
+                <a:cs typeface="Arial" panose="020B0604020202020204" pitchFamily="34" charset="0"/>
+              </a:rPr>
+              <a:t>Policy reform</a:t>
+            </a:r>
+            <a:r>
               <a:rPr lang="en-US" sz="2000" dirty="0">
                 <a:latin typeface="Arial" panose="020B0604020202020204" pitchFamily="34" charset="0"/>
                 <a:cs typeface="Arial" panose="020B0604020202020204" pitchFamily="34" charset="0"/>
               </a:rPr>
-              <a:t>Search for policies and workplace practices that can be changed.</a:t>
+              <a:t>: Search for policies and workplace practices that can be changed.</a:t>
             </a:r>
           </a:p>
         </p:txBody>
@@ -9482,33 +9286,15 @@
                                   </p:childTnLst>
                                 </p:cTn>
                               </p:par>
-                            </p:childTnLst>
-                          </p:cTn>
-                        </p:par>
-                      </p:childTnLst>
-                    </p:cTn>
-                  </p:par>
-                  <p:par>
-                    <p:cTn id="7" fill="hold">
-                      <p:stCondLst>
-                        <p:cond delay="indefinite"/>
-                      </p:stCondLst>
-                      <p:childTnLst>
-                        <p:par>
-                          <p:cTn id="8" fill="hold">
-                            <p:stCondLst>
-                              <p:cond delay="0"/>
-                            </p:stCondLst>
-                            <p:childTnLst>
                               <p:par>
-                                <p:cTn id="9" presetID="1" presetClass="entr" presetSubtype="0" fill="hold" nodeType="clickEffect">
+                                <p:cTn id="7" presetID="1" presetClass="entr" presetSubtype="0" fill="hold" nodeType="withEffect">
                                   <p:stCondLst>
                                     <p:cond delay="0"/>
                                   </p:stCondLst>
                                   <p:childTnLst>
                                     <p:set>
                                       <p:cBhvr>
-                                        <p:cTn id="10" dur="1" fill="hold">
+                                        <p:cTn id="8" dur="1" fill="hold">
                                           <p:stCondLst>
                                             <p:cond delay="0"/>
                                           </p:stCondLst>
@@ -9563,535 +9349,6 @@
 </file>
 
 <file path=ppt/slides/slide21.xml><?xml version="1.0" encoding="utf-8"?>
-<p:sld xmlns:a="http://schemas.openxmlformats.org/drawingml/2006/main" xmlns:r="http://schemas.openxmlformats.org/officeDocument/2006/relationships" xmlns:p="http://schemas.openxmlformats.org/presentationml/2006/main">
-  <p:cSld>
-    <p:spTree>
-      <p:nvGrpSpPr>
-        <p:cNvPr id="1" name=""/>
-        <p:cNvGrpSpPr/>
-        <p:nvPr/>
-      </p:nvGrpSpPr>
-      <p:grpSpPr>
-        <a:xfrm>
-          <a:off x="0" y="0"/>
-          <a:ext cx="0" cy="0"/>
-          <a:chOff x="0" y="0"/>
-          <a:chExt cx="0" cy="0"/>
-        </a:xfrm>
-      </p:grpSpPr>
-      <p:sp>
-        <p:nvSpPr>
-          <p:cNvPr id="5" name="Title 1">
-            <a:extLst>
-              <a:ext uri="{FF2B5EF4-FFF2-40B4-BE49-F238E27FC236}">
-                <a16:creationId xmlns:a16="http://schemas.microsoft.com/office/drawing/2014/main" id="{DDC553D4-6222-4317-AE3B-98879A345804}"/>
-              </a:ext>
-            </a:extLst>
-          </p:cNvPr>
-          <p:cNvSpPr>
-            <a:spLocks noGrp="1"/>
-          </p:cNvSpPr>
-          <p:nvPr>
-            <p:ph type="title"/>
-          </p:nvPr>
-        </p:nvSpPr>
-        <p:spPr>
-          <a:xfrm>
-            <a:off x="686425" y="126148"/>
-            <a:ext cx="10058400" cy="627797"/>
-          </a:xfrm>
-        </p:spPr>
-        <p:txBody>
-          <a:bodyPr>
-            <a:normAutofit fontScale="90000"/>
-          </a:bodyPr>
-          <a:lstStyle/>
-          <a:p>
-            <a:r>
-              <a:rPr lang="en-US" b="1" dirty="0"/>
-              <a:t>Retention Recommendations:</a:t>
-            </a:r>
-          </a:p>
-        </p:txBody>
-      </p:sp>
-      <p:grpSp>
-        <p:nvGrpSpPr>
-          <p:cNvPr id="7" name="Group 6">
-            <a:extLst>
-              <a:ext uri="{FF2B5EF4-FFF2-40B4-BE49-F238E27FC236}">
-                <a16:creationId xmlns:a16="http://schemas.microsoft.com/office/drawing/2014/main" id="{5902F677-92AD-5A17-3EC6-94A29F43CDF6}"/>
-              </a:ext>
-            </a:extLst>
-          </p:cNvPr>
-          <p:cNvGrpSpPr/>
-          <p:nvPr/>
-        </p:nvGrpSpPr>
-        <p:grpSpPr>
-          <a:xfrm>
-            <a:off x="1003070" y="4816216"/>
-            <a:ext cx="10526964" cy="323165"/>
-            <a:chOff x="844446" y="4272813"/>
-            <a:chExt cx="10526964" cy="323165"/>
-          </a:xfrm>
-        </p:grpSpPr>
-        <p:cxnSp>
-          <p:nvCxnSpPr>
-            <p:cNvPr id="8" name="Straight Connector 7">
-              <a:extLst>
-                <a:ext uri="{FF2B5EF4-FFF2-40B4-BE49-F238E27FC236}">
-                  <a16:creationId xmlns:a16="http://schemas.microsoft.com/office/drawing/2014/main" id="{133F2D20-1F9B-532D-106C-4D39529EF0F7}"/>
-                </a:ext>
-              </a:extLst>
-            </p:cNvPr>
-            <p:cNvCxnSpPr/>
-            <p:nvPr/>
-          </p:nvCxnSpPr>
-          <p:spPr>
-            <a:xfrm>
-              <a:off x="844446" y="4463665"/>
-              <a:ext cx="10526964" cy="0"/>
-            </a:xfrm>
-            <a:prstGeom prst="line">
-              <a:avLst/>
-            </a:prstGeom>
-            <a:ln>
-              <a:solidFill>
-                <a:srgbClr val="0070C0"/>
-              </a:solidFill>
-              <a:prstDash val="sysDot"/>
-            </a:ln>
-          </p:spPr>
-          <p:style>
-            <a:lnRef idx="1">
-              <a:schemeClr val="accent1"/>
-            </a:lnRef>
-            <a:fillRef idx="0">
-              <a:schemeClr val="accent1"/>
-            </a:fillRef>
-            <a:effectRef idx="0">
-              <a:schemeClr val="accent1"/>
-            </a:effectRef>
-            <a:fontRef idx="minor">
-              <a:schemeClr val="tx1"/>
-            </a:fontRef>
-          </p:style>
-        </p:cxnSp>
-        <p:sp>
-          <p:nvSpPr>
-            <p:cNvPr id="9" name="TextBox 8">
-              <a:extLst>
-                <a:ext uri="{FF2B5EF4-FFF2-40B4-BE49-F238E27FC236}">
-                  <a16:creationId xmlns:a16="http://schemas.microsoft.com/office/drawing/2014/main" id="{702BBB2E-7B16-A407-AF14-3DE9DD733603}"/>
-                </a:ext>
-              </a:extLst>
-            </p:cNvPr>
-            <p:cNvSpPr txBox="1"/>
-            <p:nvPr/>
-          </p:nvSpPr>
-          <p:spPr>
-            <a:xfrm>
-              <a:off x="4880347" y="4272813"/>
-              <a:ext cx="1736186" cy="323165"/>
-            </a:xfrm>
-            <a:prstGeom prst="rect">
-              <a:avLst/>
-            </a:prstGeom>
-            <a:solidFill>
-              <a:schemeClr val="bg1"/>
-            </a:solidFill>
-          </p:spPr>
-          <p:txBody>
-            <a:bodyPr wrap="square" rtlCol="0">
-              <a:spAutoFit/>
-            </a:bodyPr>
-            <a:lstStyle/>
-            <a:p>
-              <a:r>
-                <a:rPr lang="en-US" sz="1500" dirty="0">
-                  <a:latin typeface="Arial" panose="020B0604020202020204" pitchFamily="34" charset="0"/>
-                  <a:cs typeface="Arial" panose="020B0604020202020204" pitchFamily="34" charset="0"/>
-                </a:rPr>
-                <a:t>Key Highlights</a:t>
-              </a:r>
-            </a:p>
-          </p:txBody>
-        </p:sp>
-      </p:grpSp>
-      <p:sp>
-        <p:nvSpPr>
-          <p:cNvPr id="12" name="TextBox 11">
-            <a:extLst>
-              <a:ext uri="{FF2B5EF4-FFF2-40B4-BE49-F238E27FC236}">
-                <a16:creationId xmlns:a16="http://schemas.microsoft.com/office/drawing/2014/main" id="{BCB8EB23-9D2C-D58D-9E60-274F6962EAAD}"/>
-              </a:ext>
-            </a:extLst>
-          </p:cNvPr>
-          <p:cNvSpPr txBox="1"/>
-          <p:nvPr/>
-        </p:nvSpPr>
-        <p:spPr>
-          <a:xfrm flipH="1">
-            <a:off x="755413" y="5197921"/>
-            <a:ext cx="10303302" cy="307777"/>
-          </a:xfrm>
-          <a:prstGeom prst="rect">
-            <a:avLst/>
-          </a:prstGeom>
-          <a:noFill/>
-        </p:spPr>
-        <p:txBody>
-          <a:bodyPr wrap="square" rtlCol="0">
-            <a:spAutoFit/>
-          </a:bodyPr>
-          <a:lstStyle/>
-          <a:p>
-            <a:pPr marL="285750" indent="-285750">
-              <a:buFont typeface="Arial" panose="020B0604020202020204" pitchFamily="34" charset="0"/>
-              <a:buChar char="•"/>
-            </a:pPr>
-            <a:r>
-              <a:rPr lang="en-US" sz="1400" dirty="0">
-                <a:latin typeface="Arial" panose="020B0604020202020204" pitchFamily="34" charset="0"/>
-                <a:cs typeface="Arial" panose="020B0604020202020204" pitchFamily="34" charset="0"/>
-              </a:rPr>
-              <a:t>Overtime, Job involvement, Job Satisfaction, Number of companies worked, Last Promotion = most significant</a:t>
-            </a:r>
-          </a:p>
-        </p:txBody>
-      </p:sp>
-      <p:sp>
-        <p:nvSpPr>
-          <p:cNvPr id="4" name="TextBox 3">
-            <a:extLst>
-              <a:ext uri="{FF2B5EF4-FFF2-40B4-BE49-F238E27FC236}">
-                <a16:creationId xmlns:a16="http://schemas.microsoft.com/office/drawing/2014/main" id="{4DF976E2-80DD-336C-F22C-EE32A7A816C3}"/>
-              </a:ext>
-            </a:extLst>
-          </p:cNvPr>
-          <p:cNvSpPr txBox="1"/>
-          <p:nvPr/>
-        </p:nvSpPr>
-        <p:spPr>
-          <a:xfrm flipH="1">
-            <a:off x="755413" y="5489622"/>
-            <a:ext cx="10303302" cy="307777"/>
-          </a:xfrm>
-          <a:prstGeom prst="rect">
-            <a:avLst/>
-          </a:prstGeom>
-          <a:noFill/>
-        </p:spPr>
-        <p:txBody>
-          <a:bodyPr wrap="square" rtlCol="0">
-            <a:spAutoFit/>
-          </a:bodyPr>
-          <a:lstStyle/>
-          <a:p>
-            <a:pPr marL="285750" indent="-285750">
-              <a:buFont typeface="Arial" panose="020B0604020202020204" pitchFamily="34" charset="0"/>
-              <a:buChar char="•"/>
-            </a:pPr>
-            <a:r>
-              <a:rPr lang="en-US" sz="1400" dirty="0">
-                <a:latin typeface="Arial" panose="020B0604020202020204" pitchFamily="34" charset="0"/>
-                <a:cs typeface="Arial" panose="020B0604020202020204" pitchFamily="34" charset="0"/>
-              </a:rPr>
-              <a:t>Job role – Less significant as a whole, but highly significant with Sales Rep, Lab Tech, and HR</a:t>
-            </a:r>
-          </a:p>
-        </p:txBody>
-      </p:sp>
-      <p:pic>
-        <p:nvPicPr>
-          <p:cNvPr id="7172" name="Picture 4" descr="What Really Matters to Improve Employee Retention">
-            <a:extLst>
-              <a:ext uri="{FF2B5EF4-FFF2-40B4-BE49-F238E27FC236}">
-                <a16:creationId xmlns:a16="http://schemas.microsoft.com/office/drawing/2014/main" id="{26DA2C4A-2032-C96E-EC2E-AC887BDD4A1D}"/>
-              </a:ext>
-            </a:extLst>
-          </p:cNvPr>
-          <p:cNvPicPr>
-            <a:picLocks noChangeAspect="1" noChangeArrowheads="1"/>
-          </p:cNvPicPr>
-          <p:nvPr/>
-        </p:nvPicPr>
-        <p:blipFill>
-          <a:blip r:embed="rId2">
-            <a:extLst>
-              <a:ext uri="{28A0092B-C50C-407E-A947-70E740481C1C}">
-                <a14:useLocalDpi xmlns:a14="http://schemas.microsoft.com/office/drawing/2010/main" val="0"/>
-              </a:ext>
-            </a:extLst>
-          </a:blip>
-          <a:srcRect/>
-          <a:stretch>
-            <a:fillRect/>
-          </a:stretch>
-        </p:blipFill>
-        <p:spPr bwMode="auto">
-          <a:xfrm>
-            <a:off x="6658252" y="1844274"/>
-            <a:ext cx="4655136" cy="2220142"/>
-          </a:xfrm>
-          <a:prstGeom prst="rect">
-            <a:avLst/>
-          </a:prstGeom>
-          <a:noFill/>
-          <a:extLst>
-            <a:ext uri="{909E8E84-426E-40DD-AFC4-6F175D3DCCD1}">
-              <a14:hiddenFill xmlns:a14="http://schemas.microsoft.com/office/drawing/2010/main">
-                <a:solidFill>
-                  <a:srgbClr val="FFFFFF"/>
-                </a:solidFill>
-              </a14:hiddenFill>
-            </a:ext>
-          </a:extLst>
-        </p:spPr>
-      </p:pic>
-      <p:sp>
-        <p:nvSpPr>
-          <p:cNvPr id="2" name="TextBox 1">
-            <a:extLst>
-              <a:ext uri="{FF2B5EF4-FFF2-40B4-BE49-F238E27FC236}">
-                <a16:creationId xmlns:a16="http://schemas.microsoft.com/office/drawing/2014/main" id="{3E3BAEDB-B6F5-2192-066A-E56A9EF4BE47}"/>
-              </a:ext>
-            </a:extLst>
-          </p:cNvPr>
-          <p:cNvSpPr txBox="1"/>
-          <p:nvPr/>
-        </p:nvSpPr>
-        <p:spPr>
-          <a:xfrm>
-            <a:off x="470525" y="1279801"/>
-            <a:ext cx="5912520" cy="2554545"/>
-          </a:xfrm>
-          <a:prstGeom prst="rect">
-            <a:avLst/>
-          </a:prstGeom>
-          <a:noFill/>
-        </p:spPr>
-        <p:txBody>
-          <a:bodyPr wrap="square" rtlCol="0">
-            <a:spAutoFit/>
-          </a:bodyPr>
-          <a:lstStyle/>
-          <a:p>
-            <a:pPr marL="285750" indent="-285750">
-              <a:buFont typeface="Arial" panose="020B0604020202020204" pitchFamily="34" charset="0"/>
-              <a:buChar char="•"/>
-            </a:pPr>
-            <a:r>
-              <a:rPr lang="en-US" sz="2000" dirty="0">
-                <a:latin typeface="Arial" panose="020B0604020202020204" pitchFamily="34" charset="0"/>
-                <a:cs typeface="Arial" panose="020B0604020202020204" pitchFamily="34" charset="0"/>
-              </a:rPr>
-              <a:t>Conduct a more detailed Analysis based on Job Roles and Department (See how Sales </a:t>
-            </a:r>
-            <a:r>
-              <a:rPr lang="en-US" sz="2000" dirty="0" err="1">
-                <a:latin typeface="Arial" panose="020B0604020202020204" pitchFamily="34" charset="0"/>
-                <a:cs typeface="Arial" panose="020B0604020202020204" pitchFamily="34" charset="0"/>
-              </a:rPr>
-              <a:t>Represenative</a:t>
-            </a:r>
-            <a:r>
-              <a:rPr lang="en-US" sz="2000" dirty="0">
-                <a:latin typeface="Arial" panose="020B0604020202020204" pitchFamily="34" charset="0"/>
-                <a:cs typeface="Arial" panose="020B0604020202020204" pitchFamily="34" charset="0"/>
-              </a:rPr>
-              <a:t> compares to Research Director)</a:t>
-            </a:r>
-          </a:p>
-          <a:p>
-            <a:pPr marL="285750" indent="-285750">
-              <a:buFont typeface="Arial" panose="020B0604020202020204" pitchFamily="34" charset="0"/>
-              <a:buChar char="•"/>
-            </a:pPr>
-            <a:endParaRPr lang="en-US" sz="2000" dirty="0">
-              <a:latin typeface="Arial" panose="020B0604020202020204" pitchFamily="34" charset="0"/>
-              <a:cs typeface="Arial" panose="020B0604020202020204" pitchFamily="34" charset="0"/>
-            </a:endParaRPr>
-          </a:p>
-          <a:p>
-            <a:pPr marL="285750" indent="-285750">
-              <a:buFont typeface="Arial" panose="020B0604020202020204" pitchFamily="34" charset="0"/>
-              <a:buChar char="•"/>
-            </a:pPr>
-            <a:r>
-              <a:rPr lang="en-US" sz="2000" dirty="0">
-                <a:latin typeface="Arial" panose="020B0604020202020204" pitchFamily="34" charset="0"/>
-                <a:cs typeface="Arial" panose="020B0604020202020204" pitchFamily="34" charset="0"/>
-              </a:rPr>
-              <a:t>Change the culture in these job roles to help improve retention.</a:t>
-            </a:r>
-          </a:p>
-          <a:p>
-            <a:pPr marL="285750" indent="-285750">
-              <a:buFont typeface="Arial" panose="020B0604020202020204" pitchFamily="34" charset="0"/>
-              <a:buChar char="•"/>
-            </a:pPr>
-            <a:endParaRPr lang="en-US" sz="2000" dirty="0">
-              <a:latin typeface="Arial" panose="020B0604020202020204" pitchFamily="34" charset="0"/>
-              <a:cs typeface="Arial" panose="020B0604020202020204" pitchFamily="34" charset="0"/>
-            </a:endParaRPr>
-          </a:p>
-          <a:p>
-            <a:pPr marL="285750" indent="-285750">
-              <a:buFont typeface="Arial" panose="020B0604020202020204" pitchFamily="34" charset="0"/>
-              <a:buChar char="•"/>
-            </a:pPr>
-            <a:r>
-              <a:rPr lang="en-US" sz="2000" dirty="0">
-                <a:latin typeface="Arial" panose="020B0604020202020204" pitchFamily="34" charset="0"/>
-                <a:cs typeface="Arial" panose="020B0604020202020204" pitchFamily="34" charset="0"/>
-              </a:rPr>
-              <a:t>Remember, Retention saves money!!!</a:t>
-            </a:r>
-          </a:p>
-        </p:txBody>
-      </p:sp>
-    </p:spTree>
-    <p:extLst>
-      <p:ext uri="{BB962C8B-B14F-4D97-AF65-F5344CB8AC3E}">
-        <p14:creationId xmlns:p14="http://schemas.microsoft.com/office/powerpoint/2010/main" val="1144128882"/>
-      </p:ext>
-    </p:extLst>
-  </p:cSld>
-  <p:clrMapOvr>
-    <a:masterClrMapping/>
-  </p:clrMapOvr>
-  <p:timing>
-    <p:tnLst>
-      <p:par>
-        <p:cTn id="1" dur="indefinite" restart="never" nodeType="tmRoot">
-          <p:childTnLst>
-            <p:seq concurrent="1" nextAc="seek">
-              <p:cTn id="2" dur="indefinite" nodeType="mainSeq">
-                <p:childTnLst>
-                  <p:par>
-                    <p:cTn id="3" fill="hold">
-                      <p:stCondLst>
-                        <p:cond delay="indefinite"/>
-                      </p:stCondLst>
-                      <p:childTnLst>
-                        <p:par>
-                          <p:cTn id="4" fill="hold">
-                            <p:stCondLst>
-                              <p:cond delay="0"/>
-                            </p:stCondLst>
-                            <p:childTnLst>
-                              <p:par>
-                                <p:cTn id="5" presetID="1" presetClass="entr" presetSubtype="0" fill="hold" nodeType="clickEffect">
-                                  <p:stCondLst>
-                                    <p:cond delay="0"/>
-                                  </p:stCondLst>
-                                  <p:childTnLst>
-                                    <p:set>
-                                      <p:cBhvr>
-                                        <p:cTn id="6" dur="1" fill="hold">
-                                          <p:stCondLst>
-                                            <p:cond delay="0"/>
-                                          </p:stCondLst>
-                                        </p:cTn>
-                                        <p:tgtEl>
-                                          <p:spTgt spid="12">
-                                            <p:txEl>
-                                              <p:pRg st="0" end="0"/>
-                                            </p:txEl>
-                                          </p:spTgt>
-                                        </p:tgtEl>
-                                        <p:attrNameLst>
-                                          <p:attrName>style.visibility</p:attrName>
-                                        </p:attrNameLst>
-                                      </p:cBhvr>
-                                      <p:to>
-                                        <p:strVal val="visible"/>
-                                      </p:to>
-                                    </p:set>
-                                  </p:childTnLst>
-                                </p:cTn>
-                              </p:par>
-                            </p:childTnLst>
-                          </p:cTn>
-                        </p:par>
-                      </p:childTnLst>
-                    </p:cTn>
-                  </p:par>
-                  <p:par>
-                    <p:cTn id="7" fill="hold">
-                      <p:stCondLst>
-                        <p:cond delay="indefinite"/>
-                      </p:stCondLst>
-                      <p:childTnLst>
-                        <p:par>
-                          <p:cTn id="8" fill="hold">
-                            <p:stCondLst>
-                              <p:cond delay="0"/>
-                            </p:stCondLst>
-                            <p:childTnLst>
-                              <p:par>
-                                <p:cTn id="9" presetID="1" presetClass="entr" presetSubtype="0" fill="hold" nodeType="clickEffect">
-                                  <p:stCondLst>
-                                    <p:cond delay="0"/>
-                                  </p:stCondLst>
-                                  <p:childTnLst>
-                                    <p:set>
-                                      <p:cBhvr>
-                                        <p:cTn id="10" dur="1" fill="hold">
-                                          <p:stCondLst>
-                                            <p:cond delay="0"/>
-                                          </p:stCondLst>
-                                        </p:cTn>
-                                        <p:tgtEl>
-                                          <p:spTgt spid="4">
-                                            <p:txEl>
-                                              <p:pRg st="0" end="0"/>
-                                            </p:txEl>
-                                          </p:spTgt>
-                                        </p:tgtEl>
-                                        <p:attrNameLst>
-                                          <p:attrName>style.visibility</p:attrName>
-                                        </p:attrNameLst>
-                                      </p:cBhvr>
-                                      <p:to>
-                                        <p:strVal val="visible"/>
-                                      </p:to>
-                                    </p:set>
-                                  </p:childTnLst>
-                                </p:cTn>
-                              </p:par>
-                            </p:childTnLst>
-                          </p:cTn>
-                        </p:par>
-                      </p:childTnLst>
-                    </p:cTn>
-                  </p:par>
-                </p:childTnLst>
-              </p:cTn>
-              <p:prevCondLst>
-                <p:cond evt="onPrev" delay="0">
-                  <p:tgtEl>
-                    <p:sldTgt/>
-                  </p:tgtEl>
-                </p:cond>
-              </p:prevCondLst>
-              <p:nextCondLst>
-                <p:cond evt="onNext" delay="0">
-                  <p:tgtEl>
-                    <p:sldTgt/>
-                  </p:tgtEl>
-                </p:cond>
-              </p:nextCondLst>
-            </p:seq>
-          </p:childTnLst>
-        </p:cTn>
-      </p:par>
-    </p:tnLst>
-  </p:timing>
-</p:sld>
-</file>
-
-<file path=ppt/slides/slide22.xml><?xml version="1.0" encoding="utf-8"?>
 <p:sld xmlns:a="http://schemas.openxmlformats.org/drawingml/2006/main" xmlns:r="http://schemas.openxmlformats.org/officeDocument/2006/relationships" xmlns:p="http://schemas.openxmlformats.org/presentationml/2006/main">
   <p:cSld>
     <p:spTree>
@@ -10622,7 +9879,7 @@
 </p:sld>
 </file>
 
-<file path=ppt/slides/slide23.xml><?xml version="1.0" encoding="utf-8"?>
+<file path=ppt/slides/slide22.xml><?xml version="1.0" encoding="utf-8"?>
 <p:sld xmlns:a="http://schemas.openxmlformats.org/drawingml/2006/main" xmlns:r="http://schemas.openxmlformats.org/officeDocument/2006/relationships" xmlns:p="http://schemas.openxmlformats.org/presentationml/2006/main">
   <p:cSld>
     <p:spTree>
@@ -11190,7 +10447,7 @@
                             </p:stCondLst>
                             <p:childTnLst>
                               <p:par>
-                                <p:cTn id="5" presetID="1" presetClass="entr" presetSubtype="0" fill="hold" grpId="0" nodeType="clickEffect">
+                                <p:cTn id="5" presetID="1" presetClass="entr" presetSubtype="0" fill="hold" nodeType="clickEffect">
                                   <p:stCondLst>
                                     <p:cond delay="0"/>
                                   </p:stCondLst>
@@ -11198,51 +10455,6 @@
                                     <p:set>
                                       <p:cBhvr>
                                         <p:cTn id="6" dur="1" fill="hold">
-                                          <p:stCondLst>
-                                            <p:cond delay="0"/>
-                                          </p:stCondLst>
-                                        </p:cTn>
-                                        <p:tgtEl>
-                                          <p:spTgt spid="7"/>
-                                        </p:tgtEl>
-                                        <p:attrNameLst>
-                                          <p:attrName>style.visibility</p:attrName>
-                                        </p:attrNameLst>
-                                      </p:cBhvr>
-                                      <p:to>
-                                        <p:strVal val="visible"/>
-                                      </p:to>
-                                    </p:set>
-                                  </p:childTnLst>
-                                </p:cTn>
-                              </p:par>
-                            </p:childTnLst>
-                          </p:cTn>
-                        </p:par>
-                      </p:childTnLst>
-                    </p:cTn>
-                  </p:par>
-                  <p:par>
-                    <p:cTn id="7" fill="hold">
-                      <p:stCondLst>
-                        <p:cond delay="indefinite"/>
-                      </p:stCondLst>
-                      <p:childTnLst>
-                        <p:par>
-                          <p:cTn id="8" fill="hold">
-                            <p:stCondLst>
-                              <p:cond delay="0"/>
-                            </p:stCondLst>
-                            <p:childTnLst>
-                              <p:par>
-                                <p:cTn id="9" presetID="1" presetClass="entr" presetSubtype="0" fill="hold" nodeType="clickEffect">
-                                  <p:stCondLst>
-                                    <p:cond delay="0"/>
-                                  </p:stCondLst>
-                                  <p:childTnLst>
-                                    <p:set>
-                                      <p:cBhvr>
-                                        <p:cTn id="10" dur="1" fill="hold">
                                           <p:stCondLst>
                                             <p:cond delay="0"/>
                                           </p:stCondLst>
@@ -11266,14 +10478,14 @@
                                 </p:cTn>
                               </p:par>
                               <p:par>
-                                <p:cTn id="11" presetID="1" presetClass="entr" presetSubtype="0" fill="hold" nodeType="withEffect">
+                                <p:cTn id="7" presetID="1" presetClass="entr" presetSubtype="0" fill="hold" nodeType="withEffect">
                                   <p:stCondLst>
                                     <p:cond delay="0"/>
                                   </p:stCondLst>
                                   <p:childTnLst>
                                     <p:set>
                                       <p:cBhvr>
-                                        <p:cTn id="12" dur="1" fill="hold">
+                                        <p:cTn id="8" dur="1" fill="hold">
                                           <p:stCondLst>
                                             <p:cond delay="0"/>
                                           </p:stCondLst>
@@ -11297,14 +10509,14 @@
                                 </p:cTn>
                               </p:par>
                               <p:par>
-                                <p:cTn id="13" presetID="1" presetClass="entr" presetSubtype="0" fill="hold" nodeType="withEffect">
+                                <p:cTn id="9" presetID="1" presetClass="entr" presetSubtype="0" fill="hold" nodeType="withEffect">
                                   <p:stCondLst>
                                     <p:cond delay="0"/>
                                   </p:stCondLst>
                                   <p:childTnLst>
                                     <p:set>
                                       <p:cBhvr>
-                                        <p:cTn id="14" dur="1" fill="hold">
+                                        <p:cTn id="10" dur="1" fill="hold">
                                           <p:stCondLst>
                                             <p:cond delay="0"/>
                                           </p:stCondLst>
@@ -11334,19 +10546,81 @@
                     </p:cTn>
                   </p:par>
                   <p:par>
-                    <p:cTn id="15" fill="hold">
+                    <p:cTn id="11" fill="hold">
                       <p:stCondLst>
                         <p:cond delay="indefinite"/>
                       </p:stCondLst>
                       <p:childTnLst>
                         <p:par>
-                          <p:cTn id="16" fill="hold">
+                          <p:cTn id="12" fill="hold">
                             <p:stCondLst>
                               <p:cond delay="0"/>
                             </p:stCondLst>
                             <p:childTnLst>
                               <p:par>
-                                <p:cTn id="17" presetID="1" presetClass="entr" presetSubtype="0" fill="hold" nodeType="clickEffect">
+                                <p:cTn id="13" presetID="1" presetClass="entr" presetSubtype="0" fill="hold" nodeType="clickEffect">
+                                  <p:stCondLst>
+                                    <p:cond delay="0"/>
+                                  </p:stCondLst>
+                                  <p:childTnLst>
+                                    <p:set>
+                                      <p:cBhvr>
+                                        <p:cTn id="14" dur="1" fill="hold">
+                                          <p:stCondLst>
+                                            <p:cond delay="0"/>
+                                          </p:stCondLst>
+                                        </p:cTn>
+                                        <p:tgtEl>
+                                          <p:spTgt spid="8">
+                                            <p:txEl>
+                                              <p:pRg st="4" end="4"/>
+                                            </p:txEl>
+                                          </p:spTgt>
+                                        </p:tgtEl>
+                                        <p:attrNameLst>
+                                          <p:attrName>style.visibility</p:attrName>
+                                        </p:attrNameLst>
+                                      </p:cBhvr>
+                                      <p:to>
+                                        <p:strVal val="visible"/>
+                                      </p:to>
+                                    </p:set>
+                                  </p:childTnLst>
+                                </p:cTn>
+                              </p:par>
+                              <p:par>
+                                <p:cTn id="15" presetID="1" presetClass="entr" presetSubtype="0" fill="hold" nodeType="withEffect">
+                                  <p:stCondLst>
+                                    <p:cond delay="0"/>
+                                  </p:stCondLst>
+                                  <p:childTnLst>
+                                    <p:set>
+                                      <p:cBhvr>
+                                        <p:cTn id="16" dur="1" fill="hold">
+                                          <p:stCondLst>
+                                            <p:cond delay="0"/>
+                                          </p:stCondLst>
+                                        </p:cTn>
+                                        <p:tgtEl>
+                                          <p:spTgt spid="8">
+                                            <p:txEl>
+                                              <p:pRg st="5" end="5"/>
+                                            </p:txEl>
+                                          </p:spTgt>
+                                        </p:tgtEl>
+                                        <p:attrNameLst>
+                                          <p:attrName>style.visibility</p:attrName>
+                                        </p:attrNameLst>
+                                      </p:cBhvr>
+                                      <p:to>
+                                        <p:strVal val="visible"/>
+                                      </p:to>
+                                    </p:set>
+                                  </p:childTnLst>
+                                </p:cTn>
+                              </p:par>
+                              <p:par>
+                                <p:cTn id="17" presetID="1" presetClass="entr" presetSubtype="0" fill="hold" nodeType="withEffect">
                                   <p:stCondLst>
                                     <p:cond delay="0"/>
                                   </p:stCondLst>
@@ -11361,7 +10635,7 @@
                                         <p:tgtEl>
                                           <p:spTgt spid="8">
                                             <p:txEl>
-                                              <p:pRg st="8" end="8"/>
+                                              <p:pRg st="6" end="6"/>
                                             </p:txEl>
                                           </p:spTgt>
                                         </p:tgtEl>
@@ -11410,7 +10684,7 @@
                                         <p:tgtEl>
                                           <p:spTgt spid="8">
                                             <p:txEl>
-                                              <p:pRg st="4" end="4"/>
+                                              <p:pRg st="8" end="8"/>
                                             </p:txEl>
                                           </p:spTgt>
                                         </p:tgtEl>
@@ -11425,131 +10699,15 @@
                                   </p:childTnLst>
                                 </p:cTn>
                               </p:par>
-                            </p:childTnLst>
-                          </p:cTn>
-                        </p:par>
-                      </p:childTnLst>
-                    </p:cTn>
-                  </p:par>
-                  <p:par>
-                    <p:cTn id="23" fill="hold">
-                      <p:stCondLst>
-                        <p:cond delay="indefinite"/>
-                      </p:stCondLst>
-                      <p:childTnLst>
-                        <p:par>
-                          <p:cTn id="24" fill="hold">
-                            <p:stCondLst>
-                              <p:cond delay="0"/>
-                            </p:stCondLst>
-                            <p:childTnLst>
                               <p:par>
-                                <p:cTn id="25" presetID="1" presetClass="entr" presetSubtype="0" fill="hold" nodeType="clickEffect">
+                                <p:cTn id="23" presetID="1" presetClass="entr" presetSubtype="0" fill="hold" nodeType="withEffect">
                                   <p:stCondLst>
                                     <p:cond delay="0"/>
                                   </p:stCondLst>
                                   <p:childTnLst>
                                     <p:set>
                                       <p:cBhvr>
-                                        <p:cTn id="26" dur="1" fill="hold">
-                                          <p:stCondLst>
-                                            <p:cond delay="0"/>
-                                          </p:stCondLst>
-                                        </p:cTn>
-                                        <p:tgtEl>
-                                          <p:spTgt spid="8">
-                                            <p:txEl>
-                                              <p:pRg st="5" end="5"/>
-                                            </p:txEl>
-                                          </p:spTgt>
-                                        </p:tgtEl>
-                                        <p:attrNameLst>
-                                          <p:attrName>style.visibility</p:attrName>
-                                        </p:attrNameLst>
-                                      </p:cBhvr>
-                                      <p:to>
-                                        <p:strVal val="visible"/>
-                                      </p:to>
-                                    </p:set>
-                                  </p:childTnLst>
-                                </p:cTn>
-                              </p:par>
-                            </p:childTnLst>
-                          </p:cTn>
-                        </p:par>
-                      </p:childTnLst>
-                    </p:cTn>
-                  </p:par>
-                  <p:par>
-                    <p:cTn id="27" fill="hold">
-                      <p:stCondLst>
-                        <p:cond delay="indefinite"/>
-                      </p:stCondLst>
-                      <p:childTnLst>
-                        <p:par>
-                          <p:cTn id="28" fill="hold">
-                            <p:stCondLst>
-                              <p:cond delay="0"/>
-                            </p:stCondLst>
-                            <p:childTnLst>
-                              <p:par>
-                                <p:cTn id="29" presetID="1" presetClass="entr" presetSubtype="0" fill="hold" nodeType="clickEffect">
-                                  <p:stCondLst>
-                                    <p:cond delay="0"/>
-                                  </p:stCondLst>
-                                  <p:childTnLst>
-                                    <p:set>
-                                      <p:cBhvr>
-                                        <p:cTn id="30" dur="1" fill="hold">
-                                          <p:stCondLst>
-                                            <p:cond delay="0"/>
-                                          </p:stCondLst>
-                                        </p:cTn>
-                                        <p:tgtEl>
-                                          <p:spTgt spid="8">
-                                            <p:txEl>
-                                              <p:pRg st="6" end="6"/>
-                                            </p:txEl>
-                                          </p:spTgt>
-                                        </p:tgtEl>
-                                        <p:attrNameLst>
-                                          <p:attrName>style.visibility</p:attrName>
-                                        </p:attrNameLst>
-                                      </p:cBhvr>
-                                      <p:to>
-                                        <p:strVal val="visible"/>
-                                      </p:to>
-                                    </p:set>
-                                  </p:childTnLst>
-                                </p:cTn>
-                              </p:par>
-                            </p:childTnLst>
-                          </p:cTn>
-                        </p:par>
-                      </p:childTnLst>
-                    </p:cTn>
-                  </p:par>
-                  <p:par>
-                    <p:cTn id="31" fill="hold">
-                      <p:stCondLst>
-                        <p:cond delay="indefinite"/>
-                      </p:stCondLst>
-                      <p:childTnLst>
-                        <p:par>
-                          <p:cTn id="32" fill="hold">
-                            <p:stCondLst>
-                              <p:cond delay="0"/>
-                            </p:stCondLst>
-                            <p:childTnLst>
-                              <p:par>
-                                <p:cTn id="33" presetID="1" presetClass="entr" presetSubtype="0" fill="hold" nodeType="clickEffect">
-                                  <p:stCondLst>
-                                    <p:cond delay="0"/>
-                                  </p:stCondLst>
-                                  <p:childTnLst>
-                                    <p:set>
-                                      <p:cBhvr>
-                                        <p:cTn id="34" dur="1" fill="hold">
+                                        <p:cTn id="24" dur="1" fill="hold">
                                           <p:stCondLst>
                                             <p:cond delay="0"/>
                                           </p:stCondLst>
@@ -11572,33 +10730,15 @@
                                   </p:childTnLst>
                                 </p:cTn>
                               </p:par>
-                            </p:childTnLst>
-                          </p:cTn>
-                        </p:par>
-                      </p:childTnLst>
-                    </p:cTn>
-                  </p:par>
-                  <p:par>
-                    <p:cTn id="35" fill="hold">
-                      <p:stCondLst>
-                        <p:cond delay="indefinite"/>
-                      </p:stCondLst>
-                      <p:childTnLst>
-                        <p:par>
-                          <p:cTn id="36" fill="hold">
-                            <p:stCondLst>
-                              <p:cond delay="0"/>
-                            </p:stCondLst>
-                            <p:childTnLst>
                               <p:par>
-                                <p:cTn id="37" presetID="1" presetClass="entr" presetSubtype="0" fill="hold" nodeType="clickEffect">
+                                <p:cTn id="25" presetID="1" presetClass="entr" presetSubtype="0" fill="hold" nodeType="withEffect">
                                   <p:stCondLst>
                                     <p:cond delay="0"/>
                                   </p:stCondLst>
                                   <p:childTnLst>
                                     <p:set>
                                       <p:cBhvr>
-                                        <p:cTn id="38" dur="1" fill="hold">
+                                        <p:cTn id="26" dur="1" fill="hold">
                                           <p:stCondLst>
                                             <p:cond delay="0"/>
                                           </p:stCondLst>
@@ -11621,33 +10761,15 @@
                                   </p:childTnLst>
                                 </p:cTn>
                               </p:par>
-                            </p:childTnLst>
-                          </p:cTn>
-                        </p:par>
-                      </p:childTnLst>
-                    </p:cTn>
-                  </p:par>
-                  <p:par>
-                    <p:cTn id="39" fill="hold">
-                      <p:stCondLst>
-                        <p:cond delay="indefinite"/>
-                      </p:stCondLst>
-                      <p:childTnLst>
-                        <p:par>
-                          <p:cTn id="40" fill="hold">
-                            <p:stCondLst>
-                              <p:cond delay="0"/>
-                            </p:stCondLst>
-                            <p:childTnLst>
                               <p:par>
-                                <p:cTn id="41" presetID="1" presetClass="entr" presetSubtype="0" fill="hold" nodeType="clickEffect">
+                                <p:cTn id="27" presetID="1" presetClass="entr" presetSubtype="0" fill="hold" nodeType="withEffect">
                                   <p:stCondLst>
                                     <p:cond delay="0"/>
                                   </p:stCondLst>
                                   <p:childTnLst>
                                     <p:set>
                                       <p:cBhvr>
-                                        <p:cTn id="42" dur="1" fill="hold">
+                                        <p:cTn id="28" dur="1" fill="hold">
                                           <p:stCondLst>
                                             <p:cond delay="0"/>
                                           </p:stCondLst>
@@ -11673,30 +10795,21 @@
                             </p:childTnLst>
                           </p:cTn>
                         </p:par>
-                      </p:childTnLst>
-                    </p:cTn>
-                  </p:par>
-                  <p:par>
-                    <p:cTn id="43" fill="hold">
-                      <p:stCondLst>
-                        <p:cond delay="indefinite"/>
-                      </p:stCondLst>
-                      <p:childTnLst>
                         <p:par>
-                          <p:cTn id="44" fill="hold">
+                          <p:cTn id="29" fill="hold">
                             <p:stCondLst>
                               <p:cond delay="0"/>
                             </p:stCondLst>
                             <p:childTnLst>
                               <p:par>
-                                <p:cTn id="45" presetID="1" presetClass="entr" presetSubtype="0" fill="hold" nodeType="clickEffect">
+                                <p:cTn id="30" presetID="1" presetClass="entr" presetSubtype="0" fill="hold" nodeType="afterEffect">
                                   <p:stCondLst>
                                     <p:cond delay="0"/>
                                   </p:stCondLst>
                                   <p:childTnLst>
                                     <p:set>
                                       <p:cBhvr>
-                                        <p:cTn id="46" dur="1" fill="hold">
+                                        <p:cTn id="31" dur="1" fill="hold">
                                           <p:stCondLst>
                                             <p:cond delay="0"/>
                                           </p:stCondLst>
@@ -11746,9 +10859,6 @@
         </p:cTn>
       </p:par>
     </p:tnLst>
-    <p:bldLst>
-      <p:bldP spid="7" grpId="0"/>
-    </p:bldLst>
   </p:timing>
 </p:sld>
 </file>
@@ -12166,7 +11276,7 @@
           <a:p>
             <a:r>
               <a:rPr lang="en-US" b="1" dirty="0"/>
-              <a:t>Frito Lay Demographic Breakdown</a:t>
+              <a:t>Frito Lay Demographics: Gender / Marriage</a:t>
             </a:r>
           </a:p>
         </p:txBody>
@@ -12521,33 +11631,15 @@
                                   </p:childTnLst>
                                 </p:cTn>
                               </p:par>
-                            </p:childTnLst>
-                          </p:cTn>
-                        </p:par>
-                      </p:childTnLst>
-                    </p:cTn>
-                  </p:par>
-                  <p:par>
-                    <p:cTn id="7" fill="hold">
-                      <p:stCondLst>
-                        <p:cond delay="indefinite"/>
-                      </p:stCondLst>
-                      <p:childTnLst>
-                        <p:par>
-                          <p:cTn id="8" fill="hold">
-                            <p:stCondLst>
-                              <p:cond delay="0"/>
-                            </p:stCondLst>
-                            <p:childTnLst>
                               <p:par>
-                                <p:cTn id="9" presetID="1" presetClass="entr" presetSubtype="0" fill="hold" nodeType="clickEffect">
+                                <p:cTn id="7" presetID="1" presetClass="entr" presetSubtype="0" fill="hold" nodeType="withEffect">
                                   <p:stCondLst>
                                     <p:cond delay="0"/>
                                   </p:stCondLst>
                                   <p:childTnLst>
                                     <p:set>
                                       <p:cBhvr>
-                                        <p:cTn id="10" dur="1" fill="hold">
+                                        <p:cTn id="8" dur="1" fill="hold">
                                           <p:stCondLst>
                                             <p:cond delay="0"/>
                                           </p:stCondLst>
@@ -12570,33 +11662,15 @@
                                   </p:childTnLst>
                                 </p:cTn>
                               </p:par>
-                            </p:childTnLst>
-                          </p:cTn>
-                        </p:par>
-                      </p:childTnLst>
-                    </p:cTn>
-                  </p:par>
-                  <p:par>
-                    <p:cTn id="11" fill="hold">
-                      <p:stCondLst>
-                        <p:cond delay="indefinite"/>
-                      </p:stCondLst>
-                      <p:childTnLst>
-                        <p:par>
-                          <p:cTn id="12" fill="hold">
-                            <p:stCondLst>
-                              <p:cond delay="0"/>
-                            </p:stCondLst>
-                            <p:childTnLst>
                               <p:par>
-                                <p:cTn id="13" presetID="1" presetClass="entr" presetSubtype="0" fill="hold" nodeType="clickEffect">
+                                <p:cTn id="9" presetID="1" presetClass="entr" presetSubtype="0" fill="hold" nodeType="withEffect">
                                   <p:stCondLst>
                                     <p:cond delay="0"/>
                                   </p:stCondLst>
                                   <p:childTnLst>
                                     <p:set>
                                       <p:cBhvr>
-                                        <p:cTn id="14" dur="1" fill="hold">
+                                        <p:cTn id="10" dur="1" fill="hold">
                                           <p:stCondLst>
                                             <p:cond delay="0"/>
                                           </p:stCondLst>
@@ -12697,7 +11771,7 @@
           <a:p>
             <a:r>
               <a:rPr lang="en-US" b="1" dirty="0"/>
-              <a:t>Frito Lay Demographic Breakdown</a:t>
+              <a:t>Frito Lay Demographics: Age</a:t>
             </a:r>
           </a:p>
         </p:txBody>
@@ -13027,33 +12101,15 @@
                                   </p:childTnLst>
                                 </p:cTn>
                               </p:par>
-                            </p:childTnLst>
-                          </p:cTn>
-                        </p:par>
-                      </p:childTnLst>
-                    </p:cTn>
-                  </p:par>
-                  <p:par>
-                    <p:cTn id="7" fill="hold">
-                      <p:stCondLst>
-                        <p:cond delay="indefinite"/>
-                      </p:stCondLst>
-                      <p:childTnLst>
-                        <p:par>
-                          <p:cTn id="8" fill="hold">
-                            <p:stCondLst>
-                              <p:cond delay="0"/>
-                            </p:stCondLst>
-                            <p:childTnLst>
                               <p:par>
-                                <p:cTn id="9" presetID="1" presetClass="entr" presetSubtype="0" fill="hold" nodeType="clickEffect">
+                                <p:cTn id="7" presetID="1" presetClass="entr" presetSubtype="0" fill="hold" nodeType="withEffect">
                                   <p:stCondLst>
                                     <p:cond delay="0"/>
                                   </p:stCondLst>
                                   <p:childTnLst>
                                     <p:set>
                                       <p:cBhvr>
-                                        <p:cTn id="10" dur="1" fill="hold">
+                                        <p:cTn id="8" dur="1" fill="hold">
                                           <p:stCondLst>
                                             <p:cond delay="0"/>
                                           </p:stCondLst>
@@ -13850,33 +12906,15 @@
                                   </p:childTnLst>
                                 </p:cTn>
                               </p:par>
-                            </p:childTnLst>
-                          </p:cTn>
-                        </p:par>
-                      </p:childTnLst>
-                    </p:cTn>
-                  </p:par>
-                  <p:par>
-                    <p:cTn id="7" fill="hold">
-                      <p:stCondLst>
-                        <p:cond delay="indefinite"/>
-                      </p:stCondLst>
-                      <p:childTnLst>
-                        <p:par>
-                          <p:cTn id="8" fill="hold">
-                            <p:stCondLst>
-                              <p:cond delay="0"/>
-                            </p:stCondLst>
-                            <p:childTnLst>
                               <p:par>
-                                <p:cTn id="9" presetID="1" presetClass="entr" presetSubtype="0" fill="hold" nodeType="clickEffect">
+                                <p:cTn id="7" presetID="1" presetClass="entr" presetSubtype="0" fill="hold" nodeType="withEffect">
                                   <p:stCondLst>
                                     <p:cond delay="0"/>
                                   </p:stCondLst>
                                   <p:childTnLst>
                                     <p:set>
                                       <p:cBhvr>
-                                        <p:cTn id="10" dur="1" fill="hold">
+                                        <p:cTn id="8" dur="1" fill="hold">
                                           <p:stCondLst>
                                             <p:cond delay="0"/>
                                           </p:stCondLst>
@@ -14349,33 +13387,15 @@
                                   </p:childTnLst>
                                 </p:cTn>
                               </p:par>
-                            </p:childTnLst>
-                          </p:cTn>
-                        </p:par>
-                      </p:childTnLst>
-                    </p:cTn>
-                  </p:par>
-                  <p:par>
-                    <p:cTn id="7" fill="hold">
-                      <p:stCondLst>
-                        <p:cond delay="indefinite"/>
-                      </p:stCondLst>
-                      <p:childTnLst>
-                        <p:par>
-                          <p:cTn id="8" fill="hold">
-                            <p:stCondLst>
-                              <p:cond delay="0"/>
-                            </p:stCondLst>
-                            <p:childTnLst>
                               <p:par>
-                                <p:cTn id="9" presetID="1" presetClass="entr" presetSubtype="0" fill="hold" nodeType="clickEffect">
+                                <p:cTn id="7" presetID="1" presetClass="entr" presetSubtype="0" fill="hold" nodeType="withEffect">
                                   <p:stCondLst>
                                     <p:cond delay="0"/>
                                   </p:stCondLst>
                                   <p:childTnLst>
                                     <p:set>
                                       <p:cBhvr>
-                                        <p:cTn id="10" dur="1" fill="hold">
+                                        <p:cTn id="8" dur="1" fill="hold">
                                           <p:stCondLst>
                                             <p:cond delay="0"/>
                                           </p:stCondLst>
@@ -14398,33 +13418,15 @@
                                   </p:childTnLst>
                                 </p:cTn>
                               </p:par>
-                            </p:childTnLst>
-                          </p:cTn>
-                        </p:par>
-                      </p:childTnLst>
-                    </p:cTn>
-                  </p:par>
-                  <p:par>
-                    <p:cTn id="11" fill="hold">
-                      <p:stCondLst>
-                        <p:cond delay="indefinite"/>
-                      </p:stCondLst>
-                      <p:childTnLst>
-                        <p:par>
-                          <p:cTn id="12" fill="hold">
-                            <p:stCondLst>
-                              <p:cond delay="0"/>
-                            </p:stCondLst>
-                            <p:childTnLst>
                               <p:par>
-                                <p:cTn id="13" presetID="1" presetClass="entr" presetSubtype="0" fill="hold" nodeType="clickEffect">
+                                <p:cTn id="9" presetID="1" presetClass="entr" presetSubtype="0" fill="hold" nodeType="withEffect">
                                   <p:stCondLst>
                                     <p:cond delay="0"/>
                                   </p:stCondLst>
                                   <p:childTnLst>
                                     <p:set>
                                       <p:cBhvr>
-                                        <p:cTn id="14" dur="1" fill="hold">
+                                        <p:cTn id="10" dur="1" fill="hold">
                                           <p:stCondLst>
                                             <p:cond delay="0"/>
                                           </p:stCondLst>
